--- a/trunk/ iglesia --username adrianfols/Escuela Dominical/Navidad/Navidad.pptx
+++ b/trunk/ iglesia --username adrianfols/Escuela Dominical/Navidad/Navidad.pptx
@@ -355,6 +355,11 @@
         </p:txBody>
       </p:sp>
     </p:spTree>
+    <p:extLst>
+      <p:ext uri="{BB962C8B-B14F-4D97-AF65-F5344CB8AC3E}">
+        <p14:creationId xmlns:p14="http://schemas.microsoft.com/office/powerpoint/2010/main" val="1627698555"/>
+      </p:ext>
+    </p:extLst>
   </p:cSld>
   <p:clrMap bg1="lt1" tx1="dk1" bg2="lt2" tx2="dk2" accent1="accent1" accent2="accent2" accent3="accent3" accent4="accent4" accent5="accent5" accent6="accent6" hlink="hlink" folHlink="folHlink"/>
 </p:handoutMaster>
@@ -442,7 +447,7 @@
           <a:p>
             <a:fld id="{EE9F8D11-1CD3-4DF4-9604-60F9EB6144C0}" type="datetimeFigureOut">
               <a:rPr lang="es-AR" smtClean="0"/>
-              <a:t>20/12/2009</a:t>
+              <a:t>16/12/2012</a:t>
             </a:fld>
             <a:endParaRPr lang="es-AR"/>
           </a:p>
@@ -610,6 +615,11 @@
         </p:txBody>
       </p:sp>
     </p:spTree>
+    <p:extLst>
+      <p:ext uri="{BB962C8B-B14F-4D97-AF65-F5344CB8AC3E}">
+        <p14:creationId xmlns:p14="http://schemas.microsoft.com/office/powerpoint/2010/main" val="3962230853"/>
+      </p:ext>
+    </p:extLst>
   </p:cSld>
   <p:clrMap bg1="lt1" tx1="dk1" bg2="lt2" tx2="dk2" accent1="accent1" accent2="accent2" accent3="accent3" accent4="accent4" accent5="accent5" accent6="accent6" hlink="hlink" folHlink="folHlink"/>
   <p:notesStyle>
@@ -4977,26 +4987,43 @@
       </p:sp>
       <p:pic>
         <p:nvPicPr>
-          <p:cNvPr id="4" name="3 Imagen" descr="logo_mdv2009.png"/>
+          <p:cNvPr id="6" name="Picture 2" descr="D:\IGLESIA\imagenes\Logos\_LOGO_OK.png"/>
           <p:cNvPicPr>
-            <a:picLocks noChangeAspect="1"/>
+            <a:picLocks noChangeAspect="1" noChangeArrowheads="1"/>
           </p:cNvPicPr>
           <p:nvPr/>
         </p:nvPicPr>
         <p:blipFill>
-          <a:blip r:embed="rId3" cstate="print"/>
+          <a:blip r:embed="rId3">
+            <a:extLst>
+              <a:ext uri="{28A0092B-C50C-407E-A947-70E740481C1C}">
+                <a14:useLocalDpi xmlns:a14="http://schemas.microsoft.com/office/drawing/2010/main" val="0"/>
+              </a:ext>
+            </a:extLst>
+          </a:blip>
+          <a:srcRect/>
           <a:stretch>
             <a:fillRect/>
           </a:stretch>
         </p:blipFill>
-        <p:spPr>
+        <p:spPr bwMode="auto">
           <a:xfrm>
-            <a:off x="4786314" y="4500570"/>
-            <a:ext cx="3176965" cy="1842639"/>
+            <a:off x="3131840" y="4005064"/>
+            <a:ext cx="5650472" cy="2592287"/>
           </a:xfrm>
           <a:prstGeom prst="rect">
             <a:avLst/>
           </a:prstGeom>
+          <a:noFill/>
+          <a:extLst>
+            <a:ext uri="{909E8E84-426E-40DD-AFC4-6F175D3DCCD1}">
+              <a14:hiddenFill xmlns:a14="http://schemas.microsoft.com/office/drawing/2010/main">
+                <a:solidFill>
+                  <a:srgbClr val="FFFFFF"/>
+                </a:solidFill>
+              </a14:hiddenFill>
+            </a:ext>
+          </a:extLst>
         </p:spPr>
       </p:pic>
     </p:spTree>
@@ -5069,26 +5096,43 @@
       </p:sp>
       <p:pic>
         <p:nvPicPr>
-          <p:cNvPr id="4" name="3 Imagen" descr="logo_mdv2009.png"/>
+          <p:cNvPr id="2050" name="Picture 2" descr="D:\IGLESIA\imagenes\Logos\_LOGO_OK.png"/>
           <p:cNvPicPr>
-            <a:picLocks noChangeAspect="1"/>
+            <a:picLocks noChangeAspect="1" noChangeArrowheads="1"/>
           </p:cNvPicPr>
           <p:nvPr/>
         </p:nvPicPr>
         <p:blipFill>
-          <a:blip r:embed="rId3" cstate="print"/>
+          <a:blip r:embed="rId3">
+            <a:extLst>
+              <a:ext uri="{28A0092B-C50C-407E-A947-70E740481C1C}">
+                <a14:useLocalDpi xmlns:a14="http://schemas.microsoft.com/office/drawing/2010/main" val="0"/>
+              </a:ext>
+            </a:extLst>
+          </a:blip>
+          <a:srcRect/>
           <a:stretch>
             <a:fillRect/>
           </a:stretch>
         </p:blipFill>
-        <p:spPr>
+        <p:spPr bwMode="auto">
           <a:xfrm>
-            <a:off x="3428992" y="3286124"/>
-            <a:ext cx="5394007" cy="3128523"/>
+            <a:off x="3334629" y="3645024"/>
+            <a:ext cx="5650472" cy="2592287"/>
           </a:xfrm>
           <a:prstGeom prst="rect">
             <a:avLst/>
           </a:prstGeom>
+          <a:noFill/>
+          <a:extLst>
+            <a:ext uri="{909E8E84-426E-40DD-AFC4-6F175D3DCCD1}">
+              <a14:hiddenFill xmlns:a14="http://schemas.microsoft.com/office/drawing/2010/main">
+                <a:solidFill>
+                  <a:srgbClr val="FFFFFF"/>
+                </a:solidFill>
+              </a14:hiddenFill>
+            </a:ext>
+          </a:extLst>
         </p:spPr>
       </p:pic>
     </p:spTree>
@@ -8667,26 +8711,49 @@
           <a:p>
             <a:r>
               <a:rPr lang="es-AR" dirty="0" smtClean="0"/>
-              <a:t>No está mal celebrarla</a:t>
-            </a:r>
-          </a:p>
-          <a:p>
+              <a:t>No está mal </a:t>
+            </a:r>
             <a:r>
               <a:rPr lang="es-AR" dirty="0" smtClean="0"/>
-              <a:t>Los símbolos no son ni buenos ni malos (siempre que no sean objetos de adoración)</a:t>
+              <a:t>celebrarla</a:t>
             </a:r>
           </a:p>
           <a:p>
             <a:r>
               <a:rPr lang="es-AR" dirty="0" smtClean="0"/>
-              <a:t>Démosle el lugar que Cristo merece</a:t>
-            </a:r>
-          </a:p>
-          <a:p>
+              <a:t>No debemos hacer </a:t>
+            </a:r>
+            <a:r>
+              <a:rPr lang="es-AR" dirty="0" err="1" smtClean="0"/>
+              <a:t>incapié</a:t>
+            </a:r>
             <a:r>
               <a:rPr lang="es-AR" dirty="0" smtClean="0"/>
-              <a:t>Recordemos el nacimiento de Jesús y su significado.</a:t>
-            </a:r>
+              <a:t> solo en los regalos.</a:t>
+            </a:r>
+            <a:endParaRPr lang="es-AR" dirty="0" smtClean="0"/>
+          </a:p>
+          <a:p>
+            <a:r>
+              <a:rPr lang="es-AR" dirty="0" smtClean="0"/>
+              <a:t>Démosle </a:t>
+            </a:r>
+            <a:r>
+              <a:rPr lang="es-AR" dirty="0" smtClean="0"/>
+              <a:t>el lugar que Cristo merece</a:t>
+            </a:r>
+          </a:p>
+          <a:p>
+            <a:r>
+              <a:rPr lang="es-AR" dirty="0" smtClean="0"/>
+              <a:t>Recordemos el nacimiento de Jesús y su significado</a:t>
+            </a:r>
+            <a:r>
+              <a:rPr lang="es-AR" dirty="0" smtClean="0"/>
+              <a:t>.</a:t>
+            </a:r>
+          </a:p>
+          <a:p>
             <a:endParaRPr lang="es-AR" dirty="0"/>
           </a:p>
         </p:txBody>
@@ -8720,7 +8787,7 @@
                             </p:stCondLst>
                             <p:childTnLst>
                               <p:par>
-                                <p:cTn id="5" presetID="2" presetClass="entr" presetSubtype="4" fill="hold" grpId="0" nodeType="clickEffect">
+                                <p:cTn id="5" presetID="1" presetClass="entr" presetSubtype="0" fill="hold" grpId="0" nodeType="clickEffect">
                                   <p:stCondLst>
                                     <p:cond delay="0"/>
                                   </p:stCondLst>
@@ -8747,60 +8814,6 @@
                                         <p:strVal val="visible"/>
                                       </p:to>
                                     </p:set>
-                                    <p:anim calcmode="lin" valueType="num">
-                                      <p:cBhvr additive="base">
-                                        <p:cTn id="7" dur="500" fill="hold"/>
-                                        <p:tgtEl>
-                                          <p:spTgt spid="3">
-                                            <p:txEl>
-                                              <p:pRg st="0" end="0"/>
-                                            </p:txEl>
-                                          </p:spTgt>
-                                        </p:tgtEl>
-                                        <p:attrNameLst>
-                                          <p:attrName>ppt_x</p:attrName>
-                                        </p:attrNameLst>
-                                      </p:cBhvr>
-                                      <p:tavLst>
-                                        <p:tav tm="0">
-                                          <p:val>
-                                            <p:strVal val="#ppt_x"/>
-                                          </p:val>
-                                        </p:tav>
-                                        <p:tav tm="100000">
-                                          <p:val>
-                                            <p:strVal val="#ppt_x"/>
-                                          </p:val>
-                                        </p:tav>
-                                      </p:tavLst>
-                                    </p:anim>
-                                    <p:anim calcmode="lin" valueType="num">
-                                      <p:cBhvr additive="base">
-                                        <p:cTn id="8" dur="500" fill="hold"/>
-                                        <p:tgtEl>
-                                          <p:spTgt spid="3">
-                                            <p:txEl>
-                                              <p:pRg st="0" end="0"/>
-                                            </p:txEl>
-                                          </p:spTgt>
-                                        </p:tgtEl>
-                                        <p:attrNameLst>
-                                          <p:attrName>ppt_y</p:attrName>
-                                        </p:attrNameLst>
-                                      </p:cBhvr>
-                                      <p:tavLst>
-                                        <p:tav tm="0">
-                                          <p:val>
-                                            <p:strVal val="1+#ppt_h/2"/>
-                                          </p:val>
-                                        </p:tav>
-                                        <p:tav tm="100000">
-                                          <p:val>
-                                            <p:strVal val="#ppt_y"/>
-                                          </p:val>
-                                        </p:tav>
-                                      </p:tavLst>
-                                    </p:anim>
                                   </p:childTnLst>
                                 </p:cTn>
                               </p:par>
@@ -8811,26 +8824,26 @@
                     </p:cTn>
                   </p:par>
                   <p:par>
-                    <p:cTn id="9" fill="hold">
+                    <p:cTn id="7" fill="hold">
                       <p:stCondLst>
                         <p:cond delay="indefinite"/>
                       </p:stCondLst>
                       <p:childTnLst>
                         <p:par>
-                          <p:cTn id="10" fill="hold">
+                          <p:cTn id="8" fill="hold">
                             <p:stCondLst>
                               <p:cond delay="0"/>
                             </p:stCondLst>
                             <p:childTnLst>
                               <p:par>
-                                <p:cTn id="11" presetID="2" presetClass="entr" presetSubtype="4" fill="hold" grpId="0" nodeType="clickEffect">
+                                <p:cTn id="9" presetID="1" presetClass="entr" presetSubtype="0" fill="hold" grpId="0" nodeType="clickEffect">
                                   <p:stCondLst>
                                     <p:cond delay="0"/>
                                   </p:stCondLst>
                                   <p:childTnLst>
                                     <p:set>
                                       <p:cBhvr>
-                                        <p:cTn id="12" dur="1" fill="hold">
+                                        <p:cTn id="10" dur="1" fill="hold">
                                           <p:stCondLst>
                                             <p:cond delay="0"/>
                                           </p:stCondLst>
@@ -8850,60 +8863,55 @@
                                         <p:strVal val="visible"/>
                                       </p:to>
                                     </p:set>
-                                    <p:anim calcmode="lin" valueType="num">
-                                      <p:cBhvr additive="base">
-                                        <p:cTn id="13" dur="500" fill="hold"/>
+                                  </p:childTnLst>
+                                </p:cTn>
+                              </p:par>
+                            </p:childTnLst>
+                          </p:cTn>
+                        </p:par>
+                      </p:childTnLst>
+                    </p:cTn>
+                  </p:par>
+                  <p:par>
+                    <p:cTn id="11" fill="hold">
+                      <p:stCondLst>
+                        <p:cond delay="indefinite"/>
+                      </p:stCondLst>
+                      <p:childTnLst>
+                        <p:par>
+                          <p:cTn id="12" fill="hold">
+                            <p:stCondLst>
+                              <p:cond delay="0"/>
+                            </p:stCondLst>
+                            <p:childTnLst>
+                              <p:par>
+                                <p:cTn id="13" presetID="1" presetClass="entr" presetSubtype="0" fill="hold" grpId="0" nodeType="clickEffect">
+                                  <p:stCondLst>
+                                    <p:cond delay="0"/>
+                                  </p:stCondLst>
+                                  <p:childTnLst>
+                                    <p:set>
+                                      <p:cBhvr>
+                                        <p:cTn id="14" dur="1" fill="hold">
+                                          <p:stCondLst>
+                                            <p:cond delay="0"/>
+                                          </p:stCondLst>
+                                        </p:cTn>
                                         <p:tgtEl>
                                           <p:spTgt spid="3">
                                             <p:txEl>
-                                              <p:pRg st="1" end="1"/>
+                                              <p:pRg st="2" end="2"/>
                                             </p:txEl>
                                           </p:spTgt>
                                         </p:tgtEl>
                                         <p:attrNameLst>
-                                          <p:attrName>ppt_x</p:attrName>
+                                          <p:attrName>style.visibility</p:attrName>
                                         </p:attrNameLst>
                                       </p:cBhvr>
-                                      <p:tavLst>
-                                        <p:tav tm="0">
-                                          <p:val>
-                                            <p:strVal val="#ppt_x"/>
-                                          </p:val>
-                                        </p:tav>
-                                        <p:tav tm="100000">
-                                          <p:val>
-                                            <p:strVal val="#ppt_x"/>
-                                          </p:val>
-                                        </p:tav>
-                                      </p:tavLst>
-                                    </p:anim>
-                                    <p:anim calcmode="lin" valueType="num">
-                                      <p:cBhvr additive="base">
-                                        <p:cTn id="14" dur="500" fill="hold"/>
-                                        <p:tgtEl>
-                                          <p:spTgt spid="3">
-                                            <p:txEl>
-                                              <p:pRg st="1" end="1"/>
-                                            </p:txEl>
-                                          </p:spTgt>
-                                        </p:tgtEl>
-                                        <p:attrNameLst>
-                                          <p:attrName>ppt_y</p:attrName>
-                                        </p:attrNameLst>
-                                      </p:cBhvr>
-                                      <p:tavLst>
-                                        <p:tav tm="0">
-                                          <p:val>
-                                            <p:strVal val="1+#ppt_h/2"/>
-                                          </p:val>
-                                        </p:tav>
-                                        <p:tav tm="100000">
-                                          <p:val>
-                                            <p:strVal val="#ppt_y"/>
-                                          </p:val>
-                                        </p:tav>
-                                      </p:tavLst>
-                                    </p:anim>
+                                      <p:to>
+                                        <p:strVal val="visible"/>
+                                      </p:to>
+                                    </p:set>
                                   </p:childTnLst>
                                 </p:cTn>
                               </p:par>
@@ -8926,7 +8934,7 @@
                             </p:stCondLst>
                             <p:childTnLst>
                               <p:par>
-                                <p:cTn id="17" presetID="2" presetClass="entr" presetSubtype="4" fill="hold" grpId="0" nodeType="clickEffect">
+                                <p:cTn id="17" presetID="1" presetClass="entr" presetSubtype="0" fill="hold" grpId="0" nodeType="clickEffect">
                                   <p:stCondLst>
                                     <p:cond delay="0"/>
                                   </p:stCondLst>
@@ -8934,109 +8942,6 @@
                                     <p:set>
                                       <p:cBhvr>
                                         <p:cTn id="18" dur="1" fill="hold">
-                                          <p:stCondLst>
-                                            <p:cond delay="0"/>
-                                          </p:stCondLst>
-                                        </p:cTn>
-                                        <p:tgtEl>
-                                          <p:spTgt spid="3">
-                                            <p:txEl>
-                                              <p:pRg st="2" end="2"/>
-                                            </p:txEl>
-                                          </p:spTgt>
-                                        </p:tgtEl>
-                                        <p:attrNameLst>
-                                          <p:attrName>style.visibility</p:attrName>
-                                        </p:attrNameLst>
-                                      </p:cBhvr>
-                                      <p:to>
-                                        <p:strVal val="visible"/>
-                                      </p:to>
-                                    </p:set>
-                                    <p:anim calcmode="lin" valueType="num">
-                                      <p:cBhvr additive="base">
-                                        <p:cTn id="19" dur="500" fill="hold"/>
-                                        <p:tgtEl>
-                                          <p:spTgt spid="3">
-                                            <p:txEl>
-                                              <p:pRg st="2" end="2"/>
-                                            </p:txEl>
-                                          </p:spTgt>
-                                        </p:tgtEl>
-                                        <p:attrNameLst>
-                                          <p:attrName>ppt_x</p:attrName>
-                                        </p:attrNameLst>
-                                      </p:cBhvr>
-                                      <p:tavLst>
-                                        <p:tav tm="0">
-                                          <p:val>
-                                            <p:strVal val="#ppt_x"/>
-                                          </p:val>
-                                        </p:tav>
-                                        <p:tav tm="100000">
-                                          <p:val>
-                                            <p:strVal val="#ppt_x"/>
-                                          </p:val>
-                                        </p:tav>
-                                      </p:tavLst>
-                                    </p:anim>
-                                    <p:anim calcmode="lin" valueType="num">
-                                      <p:cBhvr additive="base">
-                                        <p:cTn id="20" dur="500" fill="hold"/>
-                                        <p:tgtEl>
-                                          <p:spTgt spid="3">
-                                            <p:txEl>
-                                              <p:pRg st="2" end="2"/>
-                                            </p:txEl>
-                                          </p:spTgt>
-                                        </p:tgtEl>
-                                        <p:attrNameLst>
-                                          <p:attrName>ppt_y</p:attrName>
-                                        </p:attrNameLst>
-                                      </p:cBhvr>
-                                      <p:tavLst>
-                                        <p:tav tm="0">
-                                          <p:val>
-                                            <p:strVal val="1+#ppt_h/2"/>
-                                          </p:val>
-                                        </p:tav>
-                                        <p:tav tm="100000">
-                                          <p:val>
-                                            <p:strVal val="#ppt_y"/>
-                                          </p:val>
-                                        </p:tav>
-                                      </p:tavLst>
-                                    </p:anim>
-                                  </p:childTnLst>
-                                </p:cTn>
-                              </p:par>
-                            </p:childTnLst>
-                          </p:cTn>
-                        </p:par>
-                      </p:childTnLst>
-                    </p:cTn>
-                  </p:par>
-                  <p:par>
-                    <p:cTn id="21" fill="hold">
-                      <p:stCondLst>
-                        <p:cond delay="indefinite"/>
-                      </p:stCondLst>
-                      <p:childTnLst>
-                        <p:par>
-                          <p:cTn id="22" fill="hold">
-                            <p:stCondLst>
-                              <p:cond delay="0"/>
-                            </p:stCondLst>
-                            <p:childTnLst>
-                              <p:par>
-                                <p:cTn id="23" presetID="2" presetClass="entr" presetSubtype="4" fill="hold" grpId="0" nodeType="clickEffect">
-                                  <p:stCondLst>
-                                    <p:cond delay="0"/>
-                                  </p:stCondLst>
-                                  <p:childTnLst>
-                                    <p:set>
-                                      <p:cBhvr>
-                                        <p:cTn id="24" dur="1" fill="hold">
                                           <p:stCondLst>
                                             <p:cond delay="0"/>
                                           </p:stCondLst>
@@ -9056,60 +8961,6 @@
                                         <p:strVal val="visible"/>
                                       </p:to>
                                     </p:set>
-                                    <p:anim calcmode="lin" valueType="num">
-                                      <p:cBhvr additive="base">
-                                        <p:cTn id="25" dur="500" fill="hold"/>
-                                        <p:tgtEl>
-                                          <p:spTgt spid="3">
-                                            <p:txEl>
-                                              <p:pRg st="3" end="3"/>
-                                            </p:txEl>
-                                          </p:spTgt>
-                                        </p:tgtEl>
-                                        <p:attrNameLst>
-                                          <p:attrName>ppt_x</p:attrName>
-                                        </p:attrNameLst>
-                                      </p:cBhvr>
-                                      <p:tavLst>
-                                        <p:tav tm="0">
-                                          <p:val>
-                                            <p:strVal val="#ppt_x"/>
-                                          </p:val>
-                                        </p:tav>
-                                        <p:tav tm="100000">
-                                          <p:val>
-                                            <p:strVal val="#ppt_x"/>
-                                          </p:val>
-                                        </p:tav>
-                                      </p:tavLst>
-                                    </p:anim>
-                                    <p:anim calcmode="lin" valueType="num">
-                                      <p:cBhvr additive="base">
-                                        <p:cTn id="26" dur="500" fill="hold"/>
-                                        <p:tgtEl>
-                                          <p:spTgt spid="3">
-                                            <p:txEl>
-                                              <p:pRg st="3" end="3"/>
-                                            </p:txEl>
-                                          </p:spTgt>
-                                        </p:tgtEl>
-                                        <p:attrNameLst>
-                                          <p:attrName>ppt_y</p:attrName>
-                                        </p:attrNameLst>
-                                      </p:cBhvr>
-                                      <p:tavLst>
-                                        <p:tav tm="0">
-                                          <p:val>
-                                            <p:strVal val="1+#ppt_h/2"/>
-                                          </p:val>
-                                        </p:tav>
-                                        <p:tav tm="100000">
-                                          <p:val>
-                                            <p:strVal val="#ppt_y"/>
-                                          </p:val>
-                                        </p:tav>
-                                      </p:tavLst>
-                                    </p:anim>
                                   </p:childTnLst>
                                 </p:cTn>
                               </p:par>
